--- a/ppt 16-9/0666.来穿赞美衣裳.pptx
+++ b/ppt 16-9/0666.来穿赞美衣裳.pptx
@@ -5,7 +5,7 @@
     <p:sldMasterId id="2147483648" r:id="rId1"/>
   </p:sldMasterIdLst>
   <p:sldIdLst>
-    <p:sldId id="2470" r:id="rId2"/>
+    <p:sldId id="2472" r:id="rId2"/>
   </p:sldIdLst>
   <p:sldSz cx="12192000" cy="6858000"/>
   <p:notesSz cx="6858000" cy="9144000"/>
@@ -129,7 +129,7 @@
           <p:cNvPr id="2" name="标题 1">
             <a:extLst>
               <a:ext uri="{FF2B5EF4-FFF2-40B4-BE49-F238E27FC236}">
-                <a16:creationId xmlns:a16="http://schemas.microsoft.com/office/drawing/2014/main" id="{B3C08973-E104-FA3B-36CB-4F628392CBC0}"/>
+                <a16:creationId xmlns:a16="http://schemas.microsoft.com/office/drawing/2014/main" id="{E9CBE5CA-A3C7-D70A-5A5F-11BAB15C52DB}"/>
               </a:ext>
             </a:extLst>
           </p:cNvPr>
@@ -166,7 +166,7 @@
           <p:cNvPr id="3" name="副标题 2">
             <a:extLst>
               <a:ext uri="{FF2B5EF4-FFF2-40B4-BE49-F238E27FC236}">
-                <a16:creationId xmlns:a16="http://schemas.microsoft.com/office/drawing/2014/main" id="{2AD0766F-53A3-196D-1455-0347FB14E40E}"/>
+                <a16:creationId xmlns:a16="http://schemas.microsoft.com/office/drawing/2014/main" id="{5D89E42F-4043-E3C8-4E81-279473A55D7A}"/>
               </a:ext>
             </a:extLst>
           </p:cNvPr>
@@ -236,7 +236,7 @@
           <p:cNvPr id="4" name="日期占位符 3">
             <a:extLst>
               <a:ext uri="{FF2B5EF4-FFF2-40B4-BE49-F238E27FC236}">
-                <a16:creationId xmlns:a16="http://schemas.microsoft.com/office/drawing/2014/main" id="{A4C276B8-81B8-30AA-27C8-5136ECA6CF44}"/>
+                <a16:creationId xmlns:a16="http://schemas.microsoft.com/office/drawing/2014/main" id="{89F2FF08-EA30-C901-8A9B-657E3C22ABB1}"/>
               </a:ext>
             </a:extLst>
           </p:cNvPr>
@@ -252,7 +252,7 @@
           <a:bodyPr/>
           <a:lstStyle/>
           <a:p>
-            <a:fld id="{3478E761-3DD4-421C-BD1F-54AD843AFDB8}" type="datetimeFigureOut">
+            <a:fld id="{DE5AACBC-E3EA-493D-90AD-DB95AC2F162B}" type="datetimeFigureOut">
               <a:rPr lang="zh-CN" altLang="en-US" smtClean="0"/>
               <a:t>2024/3/10</a:t>
             </a:fld>
@@ -265,7 +265,7 @@
           <p:cNvPr id="5" name="页脚占位符 4">
             <a:extLst>
               <a:ext uri="{FF2B5EF4-FFF2-40B4-BE49-F238E27FC236}">
-                <a16:creationId xmlns:a16="http://schemas.microsoft.com/office/drawing/2014/main" id="{1F8877F0-6036-5719-60C6-1053F41161EC}"/>
+                <a16:creationId xmlns:a16="http://schemas.microsoft.com/office/drawing/2014/main" id="{88841926-5983-36F5-C46B-0F74A5983015}"/>
               </a:ext>
             </a:extLst>
           </p:cNvPr>
@@ -290,7 +290,7 @@
           <p:cNvPr id="6" name="灯片编号占位符 5">
             <a:extLst>
               <a:ext uri="{FF2B5EF4-FFF2-40B4-BE49-F238E27FC236}">
-                <a16:creationId xmlns:a16="http://schemas.microsoft.com/office/drawing/2014/main" id="{0EA9C3AA-350D-41CE-78D7-14D21DDB93A2}"/>
+                <a16:creationId xmlns:a16="http://schemas.microsoft.com/office/drawing/2014/main" id="{13B873DD-8098-C091-754E-A157278D2081}"/>
               </a:ext>
             </a:extLst>
           </p:cNvPr>
@@ -306,7 +306,7 @@
           <a:bodyPr/>
           <a:lstStyle/>
           <a:p>
-            <a:fld id="{989693EB-02D3-4375-836E-326E2EC436C1}" type="slidenum">
+            <a:fld id="{E05F845A-82E0-4396-89AD-D9DC597B776D}" type="slidenum">
               <a:rPr lang="zh-CN" altLang="en-US" smtClean="0"/>
               <a:t>‹#›</a:t>
             </a:fld>
@@ -317,7 +317,7 @@
     </p:spTree>
     <p:extLst>
       <p:ext uri="{BB962C8B-B14F-4D97-AF65-F5344CB8AC3E}">
-        <p14:creationId xmlns:p14="http://schemas.microsoft.com/office/powerpoint/2010/main" val="3038816633"/>
+        <p14:creationId xmlns:p14="http://schemas.microsoft.com/office/powerpoint/2010/main" val="1119010694"/>
       </p:ext>
     </p:extLst>
   </p:cSld>
@@ -349,7 +349,7 @@
           <p:cNvPr id="2" name="标题 1">
             <a:extLst>
               <a:ext uri="{FF2B5EF4-FFF2-40B4-BE49-F238E27FC236}">
-                <a16:creationId xmlns:a16="http://schemas.microsoft.com/office/drawing/2014/main" id="{5B894E6B-CDB4-DAFF-256E-E07345E39513}"/>
+                <a16:creationId xmlns:a16="http://schemas.microsoft.com/office/drawing/2014/main" id="{60D46C3A-46EF-62D9-D2BD-EA7CE05D556F}"/>
               </a:ext>
             </a:extLst>
           </p:cNvPr>
@@ -377,7 +377,7 @@
           <p:cNvPr id="3" name="竖排文字占位符 2">
             <a:extLst>
               <a:ext uri="{FF2B5EF4-FFF2-40B4-BE49-F238E27FC236}">
-                <a16:creationId xmlns:a16="http://schemas.microsoft.com/office/drawing/2014/main" id="{73A28F60-EE29-457B-133F-D43AB8E72C61}"/>
+                <a16:creationId xmlns:a16="http://schemas.microsoft.com/office/drawing/2014/main" id="{5A0893C7-AE07-F548-363D-5682B3B35B38}"/>
               </a:ext>
             </a:extLst>
           </p:cNvPr>
@@ -434,7 +434,7 @@
           <p:cNvPr id="4" name="日期占位符 3">
             <a:extLst>
               <a:ext uri="{FF2B5EF4-FFF2-40B4-BE49-F238E27FC236}">
-                <a16:creationId xmlns:a16="http://schemas.microsoft.com/office/drawing/2014/main" id="{D257F9E3-637B-7A86-21EC-12FB4277C305}"/>
+                <a16:creationId xmlns:a16="http://schemas.microsoft.com/office/drawing/2014/main" id="{FAA4B028-B891-F774-EF07-6C61EE13960A}"/>
               </a:ext>
             </a:extLst>
           </p:cNvPr>
@@ -450,7 +450,7 @@
           <a:bodyPr/>
           <a:lstStyle/>
           <a:p>
-            <a:fld id="{3478E761-3DD4-421C-BD1F-54AD843AFDB8}" type="datetimeFigureOut">
+            <a:fld id="{DE5AACBC-E3EA-493D-90AD-DB95AC2F162B}" type="datetimeFigureOut">
               <a:rPr lang="zh-CN" altLang="en-US" smtClean="0"/>
               <a:t>2024/3/10</a:t>
             </a:fld>
@@ -463,7 +463,7 @@
           <p:cNvPr id="5" name="页脚占位符 4">
             <a:extLst>
               <a:ext uri="{FF2B5EF4-FFF2-40B4-BE49-F238E27FC236}">
-                <a16:creationId xmlns:a16="http://schemas.microsoft.com/office/drawing/2014/main" id="{B22ED5DC-E4FF-0DA5-0127-116336DCF68B}"/>
+                <a16:creationId xmlns:a16="http://schemas.microsoft.com/office/drawing/2014/main" id="{67526443-148C-8B1F-A785-36A6AC593417}"/>
               </a:ext>
             </a:extLst>
           </p:cNvPr>
@@ -488,7 +488,7 @@
           <p:cNvPr id="6" name="灯片编号占位符 5">
             <a:extLst>
               <a:ext uri="{FF2B5EF4-FFF2-40B4-BE49-F238E27FC236}">
-                <a16:creationId xmlns:a16="http://schemas.microsoft.com/office/drawing/2014/main" id="{E4A70876-EF8C-08EB-5AFB-9BCB90530846}"/>
+                <a16:creationId xmlns:a16="http://schemas.microsoft.com/office/drawing/2014/main" id="{322C4E60-D23A-C793-3CEF-3FF0AC7868A2}"/>
               </a:ext>
             </a:extLst>
           </p:cNvPr>
@@ -504,7 +504,7 @@
           <a:bodyPr/>
           <a:lstStyle/>
           <a:p>
-            <a:fld id="{989693EB-02D3-4375-836E-326E2EC436C1}" type="slidenum">
+            <a:fld id="{E05F845A-82E0-4396-89AD-D9DC597B776D}" type="slidenum">
               <a:rPr lang="zh-CN" altLang="en-US" smtClean="0"/>
               <a:t>‹#›</a:t>
             </a:fld>
@@ -515,7 +515,7 @@
     </p:spTree>
     <p:extLst>
       <p:ext uri="{BB962C8B-B14F-4D97-AF65-F5344CB8AC3E}">
-        <p14:creationId xmlns:p14="http://schemas.microsoft.com/office/powerpoint/2010/main" val="2082360778"/>
+        <p14:creationId xmlns:p14="http://schemas.microsoft.com/office/powerpoint/2010/main" val="944838829"/>
       </p:ext>
     </p:extLst>
   </p:cSld>
@@ -547,7 +547,7 @@
           <p:cNvPr id="2" name="竖排标题 1">
             <a:extLst>
               <a:ext uri="{FF2B5EF4-FFF2-40B4-BE49-F238E27FC236}">
-                <a16:creationId xmlns:a16="http://schemas.microsoft.com/office/drawing/2014/main" id="{47A112A0-0F74-CA42-FD85-42A94667E26D}"/>
+                <a16:creationId xmlns:a16="http://schemas.microsoft.com/office/drawing/2014/main" id="{54175958-CCB2-2958-1A7A-29B253F88121}"/>
               </a:ext>
             </a:extLst>
           </p:cNvPr>
@@ -580,7 +580,7 @@
           <p:cNvPr id="3" name="竖排文字占位符 2">
             <a:extLst>
               <a:ext uri="{FF2B5EF4-FFF2-40B4-BE49-F238E27FC236}">
-                <a16:creationId xmlns:a16="http://schemas.microsoft.com/office/drawing/2014/main" id="{A2A49184-0845-A389-E29A-987A87FB5B19}"/>
+                <a16:creationId xmlns:a16="http://schemas.microsoft.com/office/drawing/2014/main" id="{2A546EAB-1160-C0FC-1A8F-3D4524670FB9}"/>
               </a:ext>
             </a:extLst>
           </p:cNvPr>
@@ -642,7 +642,7 @@
           <p:cNvPr id="4" name="日期占位符 3">
             <a:extLst>
               <a:ext uri="{FF2B5EF4-FFF2-40B4-BE49-F238E27FC236}">
-                <a16:creationId xmlns:a16="http://schemas.microsoft.com/office/drawing/2014/main" id="{745384E9-78EA-6D89-4814-0711018CFBE5}"/>
+                <a16:creationId xmlns:a16="http://schemas.microsoft.com/office/drawing/2014/main" id="{6A947962-F140-B67E-F0B1-F5590EF37466}"/>
               </a:ext>
             </a:extLst>
           </p:cNvPr>
@@ -658,7 +658,7 @@
           <a:bodyPr/>
           <a:lstStyle/>
           <a:p>
-            <a:fld id="{3478E761-3DD4-421C-BD1F-54AD843AFDB8}" type="datetimeFigureOut">
+            <a:fld id="{DE5AACBC-E3EA-493D-90AD-DB95AC2F162B}" type="datetimeFigureOut">
               <a:rPr lang="zh-CN" altLang="en-US" smtClean="0"/>
               <a:t>2024/3/10</a:t>
             </a:fld>
@@ -671,7 +671,7 @@
           <p:cNvPr id="5" name="页脚占位符 4">
             <a:extLst>
               <a:ext uri="{FF2B5EF4-FFF2-40B4-BE49-F238E27FC236}">
-                <a16:creationId xmlns:a16="http://schemas.microsoft.com/office/drawing/2014/main" id="{39346959-3C29-30A1-3035-143DF382E4D7}"/>
+                <a16:creationId xmlns:a16="http://schemas.microsoft.com/office/drawing/2014/main" id="{9CAB6829-3E76-0BCB-F404-679B186A286A}"/>
               </a:ext>
             </a:extLst>
           </p:cNvPr>
@@ -696,7 +696,7 @@
           <p:cNvPr id="6" name="灯片编号占位符 5">
             <a:extLst>
               <a:ext uri="{FF2B5EF4-FFF2-40B4-BE49-F238E27FC236}">
-                <a16:creationId xmlns:a16="http://schemas.microsoft.com/office/drawing/2014/main" id="{88C25763-38DE-69B3-F3EC-03F61A6EB03F}"/>
+                <a16:creationId xmlns:a16="http://schemas.microsoft.com/office/drawing/2014/main" id="{53C7BA2A-57F1-AFC6-9219-5DAD156ECFAA}"/>
               </a:ext>
             </a:extLst>
           </p:cNvPr>
@@ -712,7 +712,7 @@
           <a:bodyPr/>
           <a:lstStyle/>
           <a:p>
-            <a:fld id="{989693EB-02D3-4375-836E-326E2EC436C1}" type="slidenum">
+            <a:fld id="{E05F845A-82E0-4396-89AD-D9DC597B776D}" type="slidenum">
               <a:rPr lang="zh-CN" altLang="en-US" smtClean="0"/>
               <a:t>‹#›</a:t>
             </a:fld>
@@ -723,7 +723,7 @@
     </p:spTree>
     <p:extLst>
       <p:ext uri="{BB962C8B-B14F-4D97-AF65-F5344CB8AC3E}">
-        <p14:creationId xmlns:p14="http://schemas.microsoft.com/office/powerpoint/2010/main" val="769534691"/>
+        <p14:creationId xmlns:p14="http://schemas.microsoft.com/office/powerpoint/2010/main" val="3955648466"/>
       </p:ext>
     </p:extLst>
   </p:cSld>
@@ -755,7 +755,7 @@
           <p:cNvPr id="2" name="标题 1">
             <a:extLst>
               <a:ext uri="{FF2B5EF4-FFF2-40B4-BE49-F238E27FC236}">
-                <a16:creationId xmlns:a16="http://schemas.microsoft.com/office/drawing/2014/main" id="{EFB09CA0-3005-30A9-F888-47BC96248D40}"/>
+                <a16:creationId xmlns:a16="http://schemas.microsoft.com/office/drawing/2014/main" id="{A035D571-422C-20E5-B573-66895260F27D}"/>
               </a:ext>
             </a:extLst>
           </p:cNvPr>
@@ -783,7 +783,7 @@
           <p:cNvPr id="3" name="内容占位符 2">
             <a:extLst>
               <a:ext uri="{FF2B5EF4-FFF2-40B4-BE49-F238E27FC236}">
-                <a16:creationId xmlns:a16="http://schemas.microsoft.com/office/drawing/2014/main" id="{8EA3C400-EB52-8601-9413-0FA23742FD37}"/>
+                <a16:creationId xmlns:a16="http://schemas.microsoft.com/office/drawing/2014/main" id="{EA02D3B1-B56E-21B0-783C-1A9B3C558010}"/>
               </a:ext>
             </a:extLst>
           </p:cNvPr>
@@ -840,7 +840,7 @@
           <p:cNvPr id="4" name="日期占位符 3">
             <a:extLst>
               <a:ext uri="{FF2B5EF4-FFF2-40B4-BE49-F238E27FC236}">
-                <a16:creationId xmlns:a16="http://schemas.microsoft.com/office/drawing/2014/main" id="{8E8E2D99-32B0-028D-EC0E-ED68E60A3811}"/>
+                <a16:creationId xmlns:a16="http://schemas.microsoft.com/office/drawing/2014/main" id="{108CAF4F-D279-B384-BDB7-FBB529796B01}"/>
               </a:ext>
             </a:extLst>
           </p:cNvPr>
@@ -856,7 +856,7 @@
           <a:bodyPr/>
           <a:lstStyle/>
           <a:p>
-            <a:fld id="{3478E761-3DD4-421C-BD1F-54AD843AFDB8}" type="datetimeFigureOut">
+            <a:fld id="{DE5AACBC-E3EA-493D-90AD-DB95AC2F162B}" type="datetimeFigureOut">
               <a:rPr lang="zh-CN" altLang="en-US" smtClean="0"/>
               <a:t>2024/3/10</a:t>
             </a:fld>
@@ -869,7 +869,7 @@
           <p:cNvPr id="5" name="页脚占位符 4">
             <a:extLst>
               <a:ext uri="{FF2B5EF4-FFF2-40B4-BE49-F238E27FC236}">
-                <a16:creationId xmlns:a16="http://schemas.microsoft.com/office/drawing/2014/main" id="{91779827-6497-99EA-00A5-EB8621D96FE7}"/>
+                <a16:creationId xmlns:a16="http://schemas.microsoft.com/office/drawing/2014/main" id="{5D0D37C8-F68B-E289-3CDC-FC64D177DA94}"/>
               </a:ext>
             </a:extLst>
           </p:cNvPr>
@@ -894,7 +894,7 @@
           <p:cNvPr id="6" name="灯片编号占位符 5">
             <a:extLst>
               <a:ext uri="{FF2B5EF4-FFF2-40B4-BE49-F238E27FC236}">
-                <a16:creationId xmlns:a16="http://schemas.microsoft.com/office/drawing/2014/main" id="{C80ADC6A-EF7D-BB0D-5C90-5DBA4E99FF6C}"/>
+                <a16:creationId xmlns:a16="http://schemas.microsoft.com/office/drawing/2014/main" id="{C6D6E713-BA3E-0C2C-46C0-09300690C140}"/>
               </a:ext>
             </a:extLst>
           </p:cNvPr>
@@ -910,7 +910,7 @@
           <a:bodyPr/>
           <a:lstStyle/>
           <a:p>
-            <a:fld id="{989693EB-02D3-4375-836E-326E2EC436C1}" type="slidenum">
+            <a:fld id="{E05F845A-82E0-4396-89AD-D9DC597B776D}" type="slidenum">
               <a:rPr lang="zh-CN" altLang="en-US" smtClean="0"/>
               <a:t>‹#›</a:t>
             </a:fld>
@@ -921,7 +921,7 @@
     </p:spTree>
     <p:extLst>
       <p:ext uri="{BB962C8B-B14F-4D97-AF65-F5344CB8AC3E}">
-        <p14:creationId xmlns:p14="http://schemas.microsoft.com/office/powerpoint/2010/main" val="1106346915"/>
+        <p14:creationId xmlns:p14="http://schemas.microsoft.com/office/powerpoint/2010/main" val="2862683912"/>
       </p:ext>
     </p:extLst>
   </p:cSld>
@@ -953,7 +953,7 @@
           <p:cNvPr id="2" name="标题 1">
             <a:extLst>
               <a:ext uri="{FF2B5EF4-FFF2-40B4-BE49-F238E27FC236}">
-                <a16:creationId xmlns:a16="http://schemas.microsoft.com/office/drawing/2014/main" id="{7986C0FF-5362-2752-3E68-36AF0546DB6E}"/>
+                <a16:creationId xmlns:a16="http://schemas.microsoft.com/office/drawing/2014/main" id="{2A8A4A7A-1ADC-191A-5D6D-BA597A64E65E}"/>
               </a:ext>
             </a:extLst>
           </p:cNvPr>
@@ -990,7 +990,7 @@
           <p:cNvPr id="3" name="文本占位符 2">
             <a:extLst>
               <a:ext uri="{FF2B5EF4-FFF2-40B4-BE49-F238E27FC236}">
-                <a16:creationId xmlns:a16="http://schemas.microsoft.com/office/drawing/2014/main" id="{EDBB62DA-EC75-3236-3B1C-44F9C390D5F1}"/>
+                <a16:creationId xmlns:a16="http://schemas.microsoft.com/office/drawing/2014/main" id="{B513D99D-BBE0-3D3A-E57D-04450728FE7B}"/>
               </a:ext>
             </a:extLst>
           </p:cNvPr>
@@ -1115,7 +1115,7 @@
           <p:cNvPr id="4" name="日期占位符 3">
             <a:extLst>
               <a:ext uri="{FF2B5EF4-FFF2-40B4-BE49-F238E27FC236}">
-                <a16:creationId xmlns:a16="http://schemas.microsoft.com/office/drawing/2014/main" id="{F9F1761C-6CDF-C67B-54EA-7743CF9D95A2}"/>
+                <a16:creationId xmlns:a16="http://schemas.microsoft.com/office/drawing/2014/main" id="{FC7E9787-B249-624C-7C5D-9BFF4DAF8098}"/>
               </a:ext>
             </a:extLst>
           </p:cNvPr>
@@ -1131,7 +1131,7 @@
           <a:bodyPr/>
           <a:lstStyle/>
           <a:p>
-            <a:fld id="{3478E761-3DD4-421C-BD1F-54AD843AFDB8}" type="datetimeFigureOut">
+            <a:fld id="{DE5AACBC-E3EA-493D-90AD-DB95AC2F162B}" type="datetimeFigureOut">
               <a:rPr lang="zh-CN" altLang="en-US" smtClean="0"/>
               <a:t>2024/3/10</a:t>
             </a:fld>
@@ -1144,7 +1144,7 @@
           <p:cNvPr id="5" name="页脚占位符 4">
             <a:extLst>
               <a:ext uri="{FF2B5EF4-FFF2-40B4-BE49-F238E27FC236}">
-                <a16:creationId xmlns:a16="http://schemas.microsoft.com/office/drawing/2014/main" id="{BCC73287-0BC5-42BE-BB46-92589808894F}"/>
+                <a16:creationId xmlns:a16="http://schemas.microsoft.com/office/drawing/2014/main" id="{B5BCBD6A-5117-BF52-7DFF-D9985B9D4A8F}"/>
               </a:ext>
             </a:extLst>
           </p:cNvPr>
@@ -1169,7 +1169,7 @@
           <p:cNvPr id="6" name="灯片编号占位符 5">
             <a:extLst>
               <a:ext uri="{FF2B5EF4-FFF2-40B4-BE49-F238E27FC236}">
-                <a16:creationId xmlns:a16="http://schemas.microsoft.com/office/drawing/2014/main" id="{012D46DB-E408-E1C6-47D9-7743CD250AFC}"/>
+                <a16:creationId xmlns:a16="http://schemas.microsoft.com/office/drawing/2014/main" id="{1A844EE3-ACA1-B7F9-3873-BEC2FF4E2786}"/>
               </a:ext>
             </a:extLst>
           </p:cNvPr>
@@ -1185,7 +1185,7 @@
           <a:bodyPr/>
           <a:lstStyle/>
           <a:p>
-            <a:fld id="{989693EB-02D3-4375-836E-326E2EC436C1}" type="slidenum">
+            <a:fld id="{E05F845A-82E0-4396-89AD-D9DC597B776D}" type="slidenum">
               <a:rPr lang="zh-CN" altLang="en-US" smtClean="0"/>
               <a:t>‹#›</a:t>
             </a:fld>
@@ -1196,7 +1196,7 @@
     </p:spTree>
     <p:extLst>
       <p:ext uri="{BB962C8B-B14F-4D97-AF65-F5344CB8AC3E}">
-        <p14:creationId xmlns:p14="http://schemas.microsoft.com/office/powerpoint/2010/main" val="241384509"/>
+        <p14:creationId xmlns:p14="http://schemas.microsoft.com/office/powerpoint/2010/main" val="3483714084"/>
       </p:ext>
     </p:extLst>
   </p:cSld>
@@ -1228,7 +1228,7 @@
           <p:cNvPr id="2" name="标题 1">
             <a:extLst>
               <a:ext uri="{FF2B5EF4-FFF2-40B4-BE49-F238E27FC236}">
-                <a16:creationId xmlns:a16="http://schemas.microsoft.com/office/drawing/2014/main" id="{567A20CB-15C8-BE9C-138D-C75440B70AD2}"/>
+                <a16:creationId xmlns:a16="http://schemas.microsoft.com/office/drawing/2014/main" id="{7141244E-8677-DF07-E254-25957D6B6BF5}"/>
               </a:ext>
             </a:extLst>
           </p:cNvPr>
@@ -1256,7 +1256,7 @@
           <p:cNvPr id="3" name="内容占位符 2">
             <a:extLst>
               <a:ext uri="{FF2B5EF4-FFF2-40B4-BE49-F238E27FC236}">
-                <a16:creationId xmlns:a16="http://schemas.microsoft.com/office/drawing/2014/main" id="{DE43F27B-8387-9860-D666-AA459E9A80E0}"/>
+                <a16:creationId xmlns:a16="http://schemas.microsoft.com/office/drawing/2014/main" id="{6419AE6E-9EBA-4AC0-C838-47B8C5926614}"/>
               </a:ext>
             </a:extLst>
           </p:cNvPr>
@@ -1318,7 +1318,7 @@
           <p:cNvPr id="4" name="内容占位符 3">
             <a:extLst>
               <a:ext uri="{FF2B5EF4-FFF2-40B4-BE49-F238E27FC236}">
-                <a16:creationId xmlns:a16="http://schemas.microsoft.com/office/drawing/2014/main" id="{D281D12C-F61B-2391-1D51-4A91B95A4F0B}"/>
+                <a16:creationId xmlns:a16="http://schemas.microsoft.com/office/drawing/2014/main" id="{A02D2104-5C9B-4178-D557-925F3A88F4E7}"/>
               </a:ext>
             </a:extLst>
           </p:cNvPr>
@@ -1380,7 +1380,7 @@
           <p:cNvPr id="5" name="日期占位符 4">
             <a:extLst>
               <a:ext uri="{FF2B5EF4-FFF2-40B4-BE49-F238E27FC236}">
-                <a16:creationId xmlns:a16="http://schemas.microsoft.com/office/drawing/2014/main" id="{DEEE76A3-F6BE-7C72-6169-936D6D1BAF15}"/>
+                <a16:creationId xmlns:a16="http://schemas.microsoft.com/office/drawing/2014/main" id="{4B857EEF-B01B-13A4-53CE-8748B2FE4E10}"/>
               </a:ext>
             </a:extLst>
           </p:cNvPr>
@@ -1396,7 +1396,7 @@
           <a:bodyPr/>
           <a:lstStyle/>
           <a:p>
-            <a:fld id="{3478E761-3DD4-421C-BD1F-54AD843AFDB8}" type="datetimeFigureOut">
+            <a:fld id="{DE5AACBC-E3EA-493D-90AD-DB95AC2F162B}" type="datetimeFigureOut">
               <a:rPr lang="zh-CN" altLang="en-US" smtClean="0"/>
               <a:t>2024/3/10</a:t>
             </a:fld>
@@ -1409,7 +1409,7 @@
           <p:cNvPr id="6" name="页脚占位符 5">
             <a:extLst>
               <a:ext uri="{FF2B5EF4-FFF2-40B4-BE49-F238E27FC236}">
-                <a16:creationId xmlns:a16="http://schemas.microsoft.com/office/drawing/2014/main" id="{E604FCAC-AF31-1214-2708-77C2C34DF0AD}"/>
+                <a16:creationId xmlns:a16="http://schemas.microsoft.com/office/drawing/2014/main" id="{63711B33-D07F-1071-0498-F5A8DFEC3A51}"/>
               </a:ext>
             </a:extLst>
           </p:cNvPr>
@@ -1434,7 +1434,7 @@
           <p:cNvPr id="7" name="灯片编号占位符 6">
             <a:extLst>
               <a:ext uri="{FF2B5EF4-FFF2-40B4-BE49-F238E27FC236}">
-                <a16:creationId xmlns:a16="http://schemas.microsoft.com/office/drawing/2014/main" id="{787EBA29-66FE-0313-62D7-24661E0A18DA}"/>
+                <a16:creationId xmlns:a16="http://schemas.microsoft.com/office/drawing/2014/main" id="{EFB67C6D-70B8-5B27-AAA1-939528E7229F}"/>
               </a:ext>
             </a:extLst>
           </p:cNvPr>
@@ -1450,7 +1450,7 @@
           <a:bodyPr/>
           <a:lstStyle/>
           <a:p>
-            <a:fld id="{989693EB-02D3-4375-836E-326E2EC436C1}" type="slidenum">
+            <a:fld id="{E05F845A-82E0-4396-89AD-D9DC597B776D}" type="slidenum">
               <a:rPr lang="zh-CN" altLang="en-US" smtClean="0"/>
               <a:t>‹#›</a:t>
             </a:fld>
@@ -1461,7 +1461,7 @@
     </p:spTree>
     <p:extLst>
       <p:ext uri="{BB962C8B-B14F-4D97-AF65-F5344CB8AC3E}">
-        <p14:creationId xmlns:p14="http://schemas.microsoft.com/office/powerpoint/2010/main" val="2187729601"/>
+        <p14:creationId xmlns:p14="http://schemas.microsoft.com/office/powerpoint/2010/main" val="1721707578"/>
       </p:ext>
     </p:extLst>
   </p:cSld>
@@ -1493,7 +1493,7 @@
           <p:cNvPr id="2" name="标题 1">
             <a:extLst>
               <a:ext uri="{FF2B5EF4-FFF2-40B4-BE49-F238E27FC236}">
-                <a16:creationId xmlns:a16="http://schemas.microsoft.com/office/drawing/2014/main" id="{283ACD39-0C5C-15FF-7CE1-97180636F70C}"/>
+                <a16:creationId xmlns:a16="http://schemas.microsoft.com/office/drawing/2014/main" id="{8269C3E0-C43B-12ED-4909-92E1C8D9D455}"/>
               </a:ext>
             </a:extLst>
           </p:cNvPr>
@@ -1526,7 +1526,7 @@
           <p:cNvPr id="3" name="文本占位符 2">
             <a:extLst>
               <a:ext uri="{FF2B5EF4-FFF2-40B4-BE49-F238E27FC236}">
-                <a16:creationId xmlns:a16="http://schemas.microsoft.com/office/drawing/2014/main" id="{3C4CCBFC-22B3-3F12-57EE-C720152DDA65}"/>
+                <a16:creationId xmlns:a16="http://schemas.microsoft.com/office/drawing/2014/main" id="{B2F4E5E4-963D-7550-9872-5AD55533E707}"/>
               </a:ext>
             </a:extLst>
           </p:cNvPr>
@@ -1597,7 +1597,7 @@
           <p:cNvPr id="4" name="内容占位符 3">
             <a:extLst>
               <a:ext uri="{FF2B5EF4-FFF2-40B4-BE49-F238E27FC236}">
-                <a16:creationId xmlns:a16="http://schemas.microsoft.com/office/drawing/2014/main" id="{594D9DA5-E8CE-B5A0-B0F0-35597983DE7E}"/>
+                <a16:creationId xmlns:a16="http://schemas.microsoft.com/office/drawing/2014/main" id="{B3CCC103-A686-65D4-4482-369ACA61A200}"/>
               </a:ext>
             </a:extLst>
           </p:cNvPr>
@@ -1659,7 +1659,7 @@
           <p:cNvPr id="5" name="文本占位符 4">
             <a:extLst>
               <a:ext uri="{FF2B5EF4-FFF2-40B4-BE49-F238E27FC236}">
-                <a16:creationId xmlns:a16="http://schemas.microsoft.com/office/drawing/2014/main" id="{89414B21-E94D-AB57-F00E-5B227621149E}"/>
+                <a16:creationId xmlns:a16="http://schemas.microsoft.com/office/drawing/2014/main" id="{8732B12C-AE76-C18F-55E6-D2A40A77B59C}"/>
               </a:ext>
             </a:extLst>
           </p:cNvPr>
@@ -1730,7 +1730,7 @@
           <p:cNvPr id="6" name="内容占位符 5">
             <a:extLst>
               <a:ext uri="{FF2B5EF4-FFF2-40B4-BE49-F238E27FC236}">
-                <a16:creationId xmlns:a16="http://schemas.microsoft.com/office/drawing/2014/main" id="{1C751B3C-2AAC-47EB-0AC1-5B7E5E8DD153}"/>
+                <a16:creationId xmlns:a16="http://schemas.microsoft.com/office/drawing/2014/main" id="{E033E62A-C49C-7721-D4F4-F066B2B17B60}"/>
               </a:ext>
             </a:extLst>
           </p:cNvPr>
@@ -1792,7 +1792,7 @@
           <p:cNvPr id="7" name="日期占位符 6">
             <a:extLst>
               <a:ext uri="{FF2B5EF4-FFF2-40B4-BE49-F238E27FC236}">
-                <a16:creationId xmlns:a16="http://schemas.microsoft.com/office/drawing/2014/main" id="{F57C1531-93BD-B351-0BF5-25AC1FB48A35}"/>
+                <a16:creationId xmlns:a16="http://schemas.microsoft.com/office/drawing/2014/main" id="{FF56A5A7-13F0-E615-BFDE-FEEDF9EA13AA}"/>
               </a:ext>
             </a:extLst>
           </p:cNvPr>
@@ -1808,7 +1808,7 @@
           <a:bodyPr/>
           <a:lstStyle/>
           <a:p>
-            <a:fld id="{3478E761-3DD4-421C-BD1F-54AD843AFDB8}" type="datetimeFigureOut">
+            <a:fld id="{DE5AACBC-E3EA-493D-90AD-DB95AC2F162B}" type="datetimeFigureOut">
               <a:rPr lang="zh-CN" altLang="en-US" smtClean="0"/>
               <a:t>2024/3/10</a:t>
             </a:fld>
@@ -1821,7 +1821,7 @@
           <p:cNvPr id="8" name="页脚占位符 7">
             <a:extLst>
               <a:ext uri="{FF2B5EF4-FFF2-40B4-BE49-F238E27FC236}">
-                <a16:creationId xmlns:a16="http://schemas.microsoft.com/office/drawing/2014/main" id="{9BFD9D1C-F34C-9FE6-D5E3-8C9F7826C472}"/>
+                <a16:creationId xmlns:a16="http://schemas.microsoft.com/office/drawing/2014/main" id="{7D86B6EF-3034-BF83-7793-F1214693A32F}"/>
               </a:ext>
             </a:extLst>
           </p:cNvPr>
@@ -1846,7 +1846,7 @@
           <p:cNvPr id="9" name="灯片编号占位符 8">
             <a:extLst>
               <a:ext uri="{FF2B5EF4-FFF2-40B4-BE49-F238E27FC236}">
-                <a16:creationId xmlns:a16="http://schemas.microsoft.com/office/drawing/2014/main" id="{404F45D7-F69C-66DE-95BB-4F47709E4331}"/>
+                <a16:creationId xmlns:a16="http://schemas.microsoft.com/office/drawing/2014/main" id="{8E750717-465F-1CBA-DF33-8A918C52BC30}"/>
               </a:ext>
             </a:extLst>
           </p:cNvPr>
@@ -1862,7 +1862,7 @@
           <a:bodyPr/>
           <a:lstStyle/>
           <a:p>
-            <a:fld id="{989693EB-02D3-4375-836E-326E2EC436C1}" type="slidenum">
+            <a:fld id="{E05F845A-82E0-4396-89AD-D9DC597B776D}" type="slidenum">
               <a:rPr lang="zh-CN" altLang="en-US" smtClean="0"/>
               <a:t>‹#›</a:t>
             </a:fld>
@@ -1873,7 +1873,7 @@
     </p:spTree>
     <p:extLst>
       <p:ext uri="{BB962C8B-B14F-4D97-AF65-F5344CB8AC3E}">
-        <p14:creationId xmlns:p14="http://schemas.microsoft.com/office/powerpoint/2010/main" val="3914644253"/>
+        <p14:creationId xmlns:p14="http://schemas.microsoft.com/office/powerpoint/2010/main" val="3423835603"/>
       </p:ext>
     </p:extLst>
   </p:cSld>
@@ -1905,7 +1905,7 @@
           <p:cNvPr id="2" name="标题 1">
             <a:extLst>
               <a:ext uri="{FF2B5EF4-FFF2-40B4-BE49-F238E27FC236}">
-                <a16:creationId xmlns:a16="http://schemas.microsoft.com/office/drawing/2014/main" id="{3059DB88-4EF2-B0E5-B35C-ABB8BA451261}"/>
+                <a16:creationId xmlns:a16="http://schemas.microsoft.com/office/drawing/2014/main" id="{4C0045F9-06F7-7E1D-468E-46C3E4E92EFB}"/>
               </a:ext>
             </a:extLst>
           </p:cNvPr>
@@ -1933,7 +1933,7 @@
           <p:cNvPr id="3" name="日期占位符 2">
             <a:extLst>
               <a:ext uri="{FF2B5EF4-FFF2-40B4-BE49-F238E27FC236}">
-                <a16:creationId xmlns:a16="http://schemas.microsoft.com/office/drawing/2014/main" id="{ED49C95C-1AC0-3B33-24F8-0512B3B442F0}"/>
+                <a16:creationId xmlns:a16="http://schemas.microsoft.com/office/drawing/2014/main" id="{E6E7C4F1-0A2F-820B-8F08-04EE0DEF85EA}"/>
               </a:ext>
             </a:extLst>
           </p:cNvPr>
@@ -1949,7 +1949,7 @@
           <a:bodyPr/>
           <a:lstStyle/>
           <a:p>
-            <a:fld id="{3478E761-3DD4-421C-BD1F-54AD843AFDB8}" type="datetimeFigureOut">
+            <a:fld id="{DE5AACBC-E3EA-493D-90AD-DB95AC2F162B}" type="datetimeFigureOut">
               <a:rPr lang="zh-CN" altLang="en-US" smtClean="0"/>
               <a:t>2024/3/10</a:t>
             </a:fld>
@@ -1962,7 +1962,7 @@
           <p:cNvPr id="4" name="页脚占位符 3">
             <a:extLst>
               <a:ext uri="{FF2B5EF4-FFF2-40B4-BE49-F238E27FC236}">
-                <a16:creationId xmlns:a16="http://schemas.microsoft.com/office/drawing/2014/main" id="{FDBC6398-81FF-05FB-7F8C-2A7BE38596C2}"/>
+                <a16:creationId xmlns:a16="http://schemas.microsoft.com/office/drawing/2014/main" id="{1D383109-3AD0-2741-4CCB-44F9A9C7F33C}"/>
               </a:ext>
             </a:extLst>
           </p:cNvPr>
@@ -1987,7 +1987,7 @@
           <p:cNvPr id="5" name="灯片编号占位符 4">
             <a:extLst>
               <a:ext uri="{FF2B5EF4-FFF2-40B4-BE49-F238E27FC236}">
-                <a16:creationId xmlns:a16="http://schemas.microsoft.com/office/drawing/2014/main" id="{562BEE10-B1A6-00A0-25EE-2B3BD5C651CF}"/>
+                <a16:creationId xmlns:a16="http://schemas.microsoft.com/office/drawing/2014/main" id="{5EF6CFBE-8337-EAE3-B362-5544134EE2A8}"/>
               </a:ext>
             </a:extLst>
           </p:cNvPr>
@@ -2003,7 +2003,7 @@
           <a:bodyPr/>
           <a:lstStyle/>
           <a:p>
-            <a:fld id="{989693EB-02D3-4375-836E-326E2EC436C1}" type="slidenum">
+            <a:fld id="{E05F845A-82E0-4396-89AD-D9DC597B776D}" type="slidenum">
               <a:rPr lang="zh-CN" altLang="en-US" smtClean="0"/>
               <a:t>‹#›</a:t>
             </a:fld>
@@ -2014,7 +2014,7 @@
     </p:spTree>
     <p:extLst>
       <p:ext uri="{BB962C8B-B14F-4D97-AF65-F5344CB8AC3E}">
-        <p14:creationId xmlns:p14="http://schemas.microsoft.com/office/powerpoint/2010/main" val="1351418331"/>
+        <p14:creationId xmlns:p14="http://schemas.microsoft.com/office/powerpoint/2010/main" val="2699992902"/>
       </p:ext>
     </p:extLst>
   </p:cSld>
@@ -2046,7 +2046,7 @@
           <p:cNvPr id="2" name="日期占位符 1">
             <a:extLst>
               <a:ext uri="{FF2B5EF4-FFF2-40B4-BE49-F238E27FC236}">
-                <a16:creationId xmlns:a16="http://schemas.microsoft.com/office/drawing/2014/main" id="{61C00CE6-0540-0F5B-A304-A8C7B4929B32}"/>
+                <a16:creationId xmlns:a16="http://schemas.microsoft.com/office/drawing/2014/main" id="{414C915E-32E9-A2E2-1577-9BF9545FF9F1}"/>
               </a:ext>
             </a:extLst>
           </p:cNvPr>
@@ -2062,7 +2062,7 @@
           <a:bodyPr/>
           <a:lstStyle/>
           <a:p>
-            <a:fld id="{3478E761-3DD4-421C-BD1F-54AD843AFDB8}" type="datetimeFigureOut">
+            <a:fld id="{DE5AACBC-E3EA-493D-90AD-DB95AC2F162B}" type="datetimeFigureOut">
               <a:rPr lang="zh-CN" altLang="en-US" smtClean="0"/>
               <a:t>2024/3/10</a:t>
             </a:fld>
@@ -2075,7 +2075,7 @@
           <p:cNvPr id="3" name="页脚占位符 2">
             <a:extLst>
               <a:ext uri="{FF2B5EF4-FFF2-40B4-BE49-F238E27FC236}">
-                <a16:creationId xmlns:a16="http://schemas.microsoft.com/office/drawing/2014/main" id="{D1E79CB9-8A09-167C-ED14-6AD0BBE722A7}"/>
+                <a16:creationId xmlns:a16="http://schemas.microsoft.com/office/drawing/2014/main" id="{24A69630-EA05-730F-E2D9-F0A327A0F96B}"/>
               </a:ext>
             </a:extLst>
           </p:cNvPr>
@@ -2100,7 +2100,7 @@
           <p:cNvPr id="4" name="灯片编号占位符 3">
             <a:extLst>
               <a:ext uri="{FF2B5EF4-FFF2-40B4-BE49-F238E27FC236}">
-                <a16:creationId xmlns:a16="http://schemas.microsoft.com/office/drawing/2014/main" id="{D3319B69-019E-BBF9-526A-E7EF041A19F4}"/>
+                <a16:creationId xmlns:a16="http://schemas.microsoft.com/office/drawing/2014/main" id="{0D8C5F1A-6B27-D6BF-DF1F-EC42A0131B12}"/>
               </a:ext>
             </a:extLst>
           </p:cNvPr>
@@ -2116,7 +2116,7 @@
           <a:bodyPr/>
           <a:lstStyle/>
           <a:p>
-            <a:fld id="{989693EB-02D3-4375-836E-326E2EC436C1}" type="slidenum">
+            <a:fld id="{E05F845A-82E0-4396-89AD-D9DC597B776D}" type="slidenum">
               <a:rPr lang="zh-CN" altLang="en-US" smtClean="0"/>
               <a:t>‹#›</a:t>
             </a:fld>
@@ -2127,7 +2127,7 @@
     </p:spTree>
     <p:extLst>
       <p:ext uri="{BB962C8B-B14F-4D97-AF65-F5344CB8AC3E}">
-        <p14:creationId xmlns:p14="http://schemas.microsoft.com/office/powerpoint/2010/main" val="953769371"/>
+        <p14:creationId xmlns:p14="http://schemas.microsoft.com/office/powerpoint/2010/main" val="1018707875"/>
       </p:ext>
     </p:extLst>
   </p:cSld>
@@ -2159,7 +2159,7 @@
           <p:cNvPr id="2" name="标题 1">
             <a:extLst>
               <a:ext uri="{FF2B5EF4-FFF2-40B4-BE49-F238E27FC236}">
-                <a16:creationId xmlns:a16="http://schemas.microsoft.com/office/drawing/2014/main" id="{AC0A5B4E-CE17-4044-F45C-3195D3215F2D}"/>
+                <a16:creationId xmlns:a16="http://schemas.microsoft.com/office/drawing/2014/main" id="{B0DB5129-2C10-40FE-B824-03D67AC99A38}"/>
               </a:ext>
             </a:extLst>
           </p:cNvPr>
@@ -2196,7 +2196,7 @@
           <p:cNvPr id="3" name="内容占位符 2">
             <a:extLst>
               <a:ext uri="{FF2B5EF4-FFF2-40B4-BE49-F238E27FC236}">
-                <a16:creationId xmlns:a16="http://schemas.microsoft.com/office/drawing/2014/main" id="{C14ED1CD-5758-FFB6-E86A-A025AD2EE048}"/>
+                <a16:creationId xmlns:a16="http://schemas.microsoft.com/office/drawing/2014/main" id="{9DFB247F-A929-21FD-D831-B033FE030409}"/>
               </a:ext>
             </a:extLst>
           </p:cNvPr>
@@ -2286,7 +2286,7 @@
           <p:cNvPr id="4" name="文本占位符 3">
             <a:extLst>
               <a:ext uri="{FF2B5EF4-FFF2-40B4-BE49-F238E27FC236}">
-                <a16:creationId xmlns:a16="http://schemas.microsoft.com/office/drawing/2014/main" id="{3C8B4B57-5365-8D23-947C-527A226B8D1C}"/>
+                <a16:creationId xmlns:a16="http://schemas.microsoft.com/office/drawing/2014/main" id="{EE2AA9A7-22B2-EC1D-0F2D-C37172027266}"/>
               </a:ext>
             </a:extLst>
           </p:cNvPr>
@@ -2357,7 +2357,7 @@
           <p:cNvPr id="5" name="日期占位符 4">
             <a:extLst>
               <a:ext uri="{FF2B5EF4-FFF2-40B4-BE49-F238E27FC236}">
-                <a16:creationId xmlns:a16="http://schemas.microsoft.com/office/drawing/2014/main" id="{6CA5A0BC-0EAA-3D41-494F-8DE859D1A9F1}"/>
+                <a16:creationId xmlns:a16="http://schemas.microsoft.com/office/drawing/2014/main" id="{AD4A1C61-C951-655E-C7E4-A10656413286}"/>
               </a:ext>
             </a:extLst>
           </p:cNvPr>
@@ -2373,7 +2373,7 @@
           <a:bodyPr/>
           <a:lstStyle/>
           <a:p>
-            <a:fld id="{3478E761-3DD4-421C-BD1F-54AD843AFDB8}" type="datetimeFigureOut">
+            <a:fld id="{DE5AACBC-E3EA-493D-90AD-DB95AC2F162B}" type="datetimeFigureOut">
               <a:rPr lang="zh-CN" altLang="en-US" smtClean="0"/>
               <a:t>2024/3/10</a:t>
             </a:fld>
@@ -2386,7 +2386,7 @@
           <p:cNvPr id="6" name="页脚占位符 5">
             <a:extLst>
               <a:ext uri="{FF2B5EF4-FFF2-40B4-BE49-F238E27FC236}">
-                <a16:creationId xmlns:a16="http://schemas.microsoft.com/office/drawing/2014/main" id="{6EE03AE8-0905-3754-EB7A-3DCB3E5DBA90}"/>
+                <a16:creationId xmlns:a16="http://schemas.microsoft.com/office/drawing/2014/main" id="{A0C3898B-B4DA-C8FE-CA60-406AFAA4E7D7}"/>
               </a:ext>
             </a:extLst>
           </p:cNvPr>
@@ -2411,7 +2411,7 @@
           <p:cNvPr id="7" name="灯片编号占位符 6">
             <a:extLst>
               <a:ext uri="{FF2B5EF4-FFF2-40B4-BE49-F238E27FC236}">
-                <a16:creationId xmlns:a16="http://schemas.microsoft.com/office/drawing/2014/main" id="{FB605B4F-72B8-39D4-AF07-E49D42DE8809}"/>
+                <a16:creationId xmlns:a16="http://schemas.microsoft.com/office/drawing/2014/main" id="{E183A0F8-A115-7749-4FDC-8DB0B45CD614}"/>
               </a:ext>
             </a:extLst>
           </p:cNvPr>
@@ -2427,7 +2427,7 @@
           <a:bodyPr/>
           <a:lstStyle/>
           <a:p>
-            <a:fld id="{989693EB-02D3-4375-836E-326E2EC436C1}" type="slidenum">
+            <a:fld id="{E05F845A-82E0-4396-89AD-D9DC597B776D}" type="slidenum">
               <a:rPr lang="zh-CN" altLang="en-US" smtClean="0"/>
               <a:t>‹#›</a:t>
             </a:fld>
@@ -2438,7 +2438,7 @@
     </p:spTree>
     <p:extLst>
       <p:ext uri="{BB962C8B-B14F-4D97-AF65-F5344CB8AC3E}">
-        <p14:creationId xmlns:p14="http://schemas.microsoft.com/office/powerpoint/2010/main" val="530401194"/>
+        <p14:creationId xmlns:p14="http://schemas.microsoft.com/office/powerpoint/2010/main" val="170689075"/>
       </p:ext>
     </p:extLst>
   </p:cSld>
@@ -2470,7 +2470,7 @@
           <p:cNvPr id="2" name="标题 1">
             <a:extLst>
               <a:ext uri="{FF2B5EF4-FFF2-40B4-BE49-F238E27FC236}">
-                <a16:creationId xmlns:a16="http://schemas.microsoft.com/office/drawing/2014/main" id="{F8A58EE2-304A-C5AC-C84E-7B8F90A40937}"/>
+                <a16:creationId xmlns:a16="http://schemas.microsoft.com/office/drawing/2014/main" id="{DD210989-8A6A-1489-9970-FABB8B19FE79}"/>
               </a:ext>
             </a:extLst>
           </p:cNvPr>
@@ -2507,7 +2507,7 @@
           <p:cNvPr id="3" name="图片占位符 2">
             <a:extLst>
               <a:ext uri="{FF2B5EF4-FFF2-40B4-BE49-F238E27FC236}">
-                <a16:creationId xmlns:a16="http://schemas.microsoft.com/office/drawing/2014/main" id="{15D40217-752E-61C4-0B39-3C774994BB3D}"/>
+                <a16:creationId xmlns:a16="http://schemas.microsoft.com/office/drawing/2014/main" id="{46130E5B-3B1D-7D50-D682-66E97A23ED9F}"/>
               </a:ext>
             </a:extLst>
           </p:cNvPr>
@@ -2574,7 +2574,7 @@
           <p:cNvPr id="4" name="文本占位符 3">
             <a:extLst>
               <a:ext uri="{FF2B5EF4-FFF2-40B4-BE49-F238E27FC236}">
-                <a16:creationId xmlns:a16="http://schemas.microsoft.com/office/drawing/2014/main" id="{AEAAE554-171A-CA35-3D8D-5221C0BE4F26}"/>
+                <a16:creationId xmlns:a16="http://schemas.microsoft.com/office/drawing/2014/main" id="{167A51BD-AFC0-55D0-59A6-3D4504727E70}"/>
               </a:ext>
             </a:extLst>
           </p:cNvPr>
@@ -2645,7 +2645,7 @@
           <p:cNvPr id="5" name="日期占位符 4">
             <a:extLst>
               <a:ext uri="{FF2B5EF4-FFF2-40B4-BE49-F238E27FC236}">
-                <a16:creationId xmlns:a16="http://schemas.microsoft.com/office/drawing/2014/main" id="{20EA8E98-6F8F-99EA-BBA6-13A19BBC7F16}"/>
+                <a16:creationId xmlns:a16="http://schemas.microsoft.com/office/drawing/2014/main" id="{E0361418-A9C7-2644-AE42-C9293D93DFB6}"/>
               </a:ext>
             </a:extLst>
           </p:cNvPr>
@@ -2661,7 +2661,7 @@
           <a:bodyPr/>
           <a:lstStyle/>
           <a:p>
-            <a:fld id="{3478E761-3DD4-421C-BD1F-54AD843AFDB8}" type="datetimeFigureOut">
+            <a:fld id="{DE5AACBC-E3EA-493D-90AD-DB95AC2F162B}" type="datetimeFigureOut">
               <a:rPr lang="zh-CN" altLang="en-US" smtClean="0"/>
               <a:t>2024/3/10</a:t>
             </a:fld>
@@ -2674,7 +2674,7 @@
           <p:cNvPr id="6" name="页脚占位符 5">
             <a:extLst>
               <a:ext uri="{FF2B5EF4-FFF2-40B4-BE49-F238E27FC236}">
-                <a16:creationId xmlns:a16="http://schemas.microsoft.com/office/drawing/2014/main" id="{34CF3FBA-BE7F-B8EA-1C6E-21D0612D67EE}"/>
+                <a16:creationId xmlns:a16="http://schemas.microsoft.com/office/drawing/2014/main" id="{9A60FA93-6FE0-9775-0F5D-606A50111094}"/>
               </a:ext>
             </a:extLst>
           </p:cNvPr>
@@ -2699,7 +2699,7 @@
           <p:cNvPr id="7" name="灯片编号占位符 6">
             <a:extLst>
               <a:ext uri="{FF2B5EF4-FFF2-40B4-BE49-F238E27FC236}">
-                <a16:creationId xmlns:a16="http://schemas.microsoft.com/office/drawing/2014/main" id="{C4AF7D52-DCB9-A677-CD32-1096D2592D35}"/>
+                <a16:creationId xmlns:a16="http://schemas.microsoft.com/office/drawing/2014/main" id="{F12D06AE-D059-48C9-1DA6-B760618EB755}"/>
               </a:ext>
             </a:extLst>
           </p:cNvPr>
@@ -2715,7 +2715,7 @@
           <a:bodyPr/>
           <a:lstStyle/>
           <a:p>
-            <a:fld id="{989693EB-02D3-4375-836E-326E2EC436C1}" type="slidenum">
+            <a:fld id="{E05F845A-82E0-4396-89AD-D9DC597B776D}" type="slidenum">
               <a:rPr lang="zh-CN" altLang="en-US" smtClean="0"/>
               <a:t>‹#›</a:t>
             </a:fld>
@@ -2726,7 +2726,7 @@
     </p:spTree>
     <p:extLst>
       <p:ext uri="{BB962C8B-B14F-4D97-AF65-F5344CB8AC3E}">
-        <p14:creationId xmlns:p14="http://schemas.microsoft.com/office/powerpoint/2010/main" val="3186644540"/>
+        <p14:creationId xmlns:p14="http://schemas.microsoft.com/office/powerpoint/2010/main" val="2847939001"/>
       </p:ext>
     </p:extLst>
   </p:cSld>
@@ -2763,7 +2763,7 @@
           <p:cNvPr id="2" name="标题占位符 1">
             <a:extLst>
               <a:ext uri="{FF2B5EF4-FFF2-40B4-BE49-F238E27FC236}">
-                <a16:creationId xmlns:a16="http://schemas.microsoft.com/office/drawing/2014/main" id="{708D439A-A889-ED9D-0383-E8A49CF97A84}"/>
+                <a16:creationId xmlns:a16="http://schemas.microsoft.com/office/drawing/2014/main" id="{C543D9FE-19FD-79FF-F6A4-F2C600C5B90A}"/>
               </a:ext>
             </a:extLst>
           </p:cNvPr>
@@ -2801,7 +2801,7 @@
           <p:cNvPr id="3" name="文本占位符 2">
             <a:extLst>
               <a:ext uri="{FF2B5EF4-FFF2-40B4-BE49-F238E27FC236}">
-                <a16:creationId xmlns:a16="http://schemas.microsoft.com/office/drawing/2014/main" id="{86711CF6-2931-D726-B822-79440140B004}"/>
+                <a16:creationId xmlns:a16="http://schemas.microsoft.com/office/drawing/2014/main" id="{927EBE0D-D373-5DB5-B517-651D99132DBB}"/>
               </a:ext>
             </a:extLst>
           </p:cNvPr>
@@ -2868,7 +2868,7 @@
           <p:cNvPr id="4" name="日期占位符 3">
             <a:extLst>
               <a:ext uri="{FF2B5EF4-FFF2-40B4-BE49-F238E27FC236}">
-                <a16:creationId xmlns:a16="http://schemas.microsoft.com/office/drawing/2014/main" id="{A6F4CE29-F7FC-C552-B7C1-38C7031E79E9}"/>
+                <a16:creationId xmlns:a16="http://schemas.microsoft.com/office/drawing/2014/main" id="{1AF264B9-E451-CAF6-2F6A-384286A449EA}"/>
               </a:ext>
             </a:extLst>
           </p:cNvPr>
@@ -2902,7 +2902,7 @@
             </a:lvl1pPr>
           </a:lstStyle>
           <a:p>
-            <a:fld id="{3478E761-3DD4-421C-BD1F-54AD843AFDB8}" type="datetimeFigureOut">
+            <a:fld id="{DE5AACBC-E3EA-493D-90AD-DB95AC2F162B}" type="datetimeFigureOut">
               <a:rPr lang="zh-CN" altLang="en-US" smtClean="0"/>
               <a:t>2024/3/10</a:t>
             </a:fld>
@@ -2915,7 +2915,7 @@
           <p:cNvPr id="5" name="页脚占位符 4">
             <a:extLst>
               <a:ext uri="{FF2B5EF4-FFF2-40B4-BE49-F238E27FC236}">
-                <a16:creationId xmlns:a16="http://schemas.microsoft.com/office/drawing/2014/main" id="{B9FE650C-F787-8939-9A33-F52F6F2AFEFA}"/>
+                <a16:creationId xmlns:a16="http://schemas.microsoft.com/office/drawing/2014/main" id="{BA07FF41-3ECC-9E81-1891-833D0B65B2B8}"/>
               </a:ext>
             </a:extLst>
           </p:cNvPr>
@@ -2958,7 +2958,7 @@
           <p:cNvPr id="6" name="灯片编号占位符 5">
             <a:extLst>
               <a:ext uri="{FF2B5EF4-FFF2-40B4-BE49-F238E27FC236}">
-                <a16:creationId xmlns:a16="http://schemas.microsoft.com/office/drawing/2014/main" id="{F9E97AFE-442E-358D-645C-537C6FB76DEB}"/>
+                <a16:creationId xmlns:a16="http://schemas.microsoft.com/office/drawing/2014/main" id="{5F58A12D-5765-A604-3C2D-6CE14BDC2E88}"/>
               </a:ext>
             </a:extLst>
           </p:cNvPr>
@@ -2992,7 +2992,7 @@
             </a:lvl1pPr>
           </a:lstStyle>
           <a:p>
-            <a:fld id="{989693EB-02D3-4375-836E-326E2EC436C1}" type="slidenum">
+            <a:fld id="{E05F845A-82E0-4396-89AD-D9DC597B776D}" type="slidenum">
               <a:rPr lang="zh-CN" altLang="en-US" smtClean="0"/>
               <a:t>‹#›</a:t>
             </a:fld>
@@ -3003,7 +3003,7 @@
     </p:spTree>
     <p:extLst>
       <p:ext uri="{BB962C8B-B14F-4D97-AF65-F5344CB8AC3E}">
-        <p14:creationId xmlns:p14="http://schemas.microsoft.com/office/powerpoint/2010/main" val="636475097"/>
+        <p14:creationId xmlns:p14="http://schemas.microsoft.com/office/powerpoint/2010/main" val="741787147"/>
       </p:ext>
     </p:extLst>
   </p:cSld>
@@ -3323,7 +3323,7 @@
       </p:grpSpPr>
       <p:pic>
         <p:nvPicPr>
-          <p:cNvPr id="681986" name="Picture 2" descr="665"/>
+          <p:cNvPr id="683010" name="Picture 2" descr="666"/>
           <p:cNvPicPr>
             <a:picLocks noChangeAspect="1" noChangeArrowheads="1"/>
           </p:cNvPicPr>
@@ -3377,7 +3377,7 @@
       </p:pic>
       <p:pic>
         <p:nvPicPr>
-          <p:cNvPr id="683011" name="Picture 3" descr="665-2"/>
+          <p:cNvPr id="684035" name="Picture 3" descr="666-2"/>
           <p:cNvPicPr>
             <a:picLocks noChangeAspect="1" noChangeArrowheads="1"/>
           </p:cNvPicPr>
@@ -3398,7 +3398,7 @@
         </p:blipFill>
         <p:spPr bwMode="auto">
           <a:xfrm>
-            <a:off x="1560513" y="0"/>
+            <a:off x="1524000" y="0"/>
             <a:ext cx="9144000" cy="6858000"/>
           </a:xfrm>
           <a:prstGeom prst="rect">
@@ -3478,7 +3478,7 @@
                                           </p:stCondLst>
                                         </p:cTn>
                                         <p:tgtEl>
-                                          <p:spTgt spid="683011"/>
+                                          <p:spTgt spid="684035"/>
                                         </p:tgtEl>
                                         <p:attrNameLst>
                                           <p:attrName>style.visibility</p:attrName>
@@ -3492,7 +3492,7 @@
                                       <p:cBhvr>
                                         <p:cTn id="7" dur="500"/>
                                         <p:tgtEl>
-                                          <p:spTgt spid="683011"/>
+                                          <p:spTgt spid="684035"/>
                                         </p:tgtEl>
                                       </p:cBhvr>
                                     </p:animEffect>
